--- a/Images/Figures_PPT/SARWithRaptor.pptx
+++ b/Images/Figures_PPT/SARWithRaptor.pptx
@@ -3917,7 +3917,7 @@
           </p:nvSpPr>
           <p:spPr>
             <a:xfrm>
-              <a:off x="4505293" y="2460600"/>
+              <a:off x="4505172" y="2460402"/>
               <a:ext cx="1566579" cy="157737"/>
             </a:xfrm>
             <a:prstGeom prst="rect">
@@ -3963,7 +3963,7 @@
           </p:nvSpPr>
           <p:spPr>
             <a:xfrm>
-              <a:off x="4860679" y="2766984"/>
+              <a:off x="4860558" y="2766786"/>
               <a:ext cx="855806" cy="163560"/>
             </a:xfrm>
             <a:prstGeom prst="rect">
@@ -4009,7 +4009,7 @@
           </p:nvSpPr>
           <p:spPr>
             <a:xfrm>
-              <a:off x="5246286" y="3068179"/>
+              <a:off x="5246351" y="3068113"/>
               <a:ext cx="2036510" cy="157737"/>
             </a:xfrm>
             <a:prstGeom prst="rect">
@@ -4055,7 +4055,7 @@
           </p:nvSpPr>
           <p:spPr>
             <a:xfrm>
-              <a:off x="5836638" y="3374563"/>
+              <a:off x="5836703" y="3374497"/>
               <a:ext cx="855806" cy="163560"/>
             </a:xfrm>
             <a:prstGeom prst="rect">
@@ -4101,7 +4101,7 @@
           </p:nvSpPr>
           <p:spPr>
             <a:xfrm>
-              <a:off x="6333792" y="3602652"/>
+              <a:off x="6333659" y="3602509"/>
               <a:ext cx="1012168" cy="198283"/>
             </a:xfrm>
             <a:prstGeom prst="rect">
@@ -4147,7 +4147,7 @@
           </p:nvSpPr>
           <p:spPr>
             <a:xfrm>
-              <a:off x="6351683" y="3949582"/>
+              <a:off x="6351550" y="3949439"/>
               <a:ext cx="976386" cy="163560"/>
             </a:xfrm>
             <a:prstGeom prst="rect">
@@ -4193,7 +4193,7 @@
           </p:nvSpPr>
           <p:spPr>
             <a:xfrm>
-              <a:off x="5613286" y="4810705"/>
+              <a:off x="5027391" y="5396233"/>
               <a:ext cx="1205158" cy="198283"/>
             </a:xfrm>
             <a:prstGeom prst="rect">
@@ -4239,7 +4239,7 @@
           </p:nvSpPr>
           <p:spPr>
             <a:xfrm>
-              <a:off x="5727672" y="5157635"/>
+              <a:off x="5141777" y="5743163"/>
               <a:ext cx="976386" cy="163560"/>
             </a:xfrm>
             <a:prstGeom prst="rect">
@@ -4285,7 +4285,7 @@
           </p:nvSpPr>
           <p:spPr>
             <a:xfrm>
-              <a:off x="3523479" y="3657942"/>
+              <a:off x="3523638" y="3657632"/>
               <a:ext cx="1156990" cy="198283"/>
             </a:xfrm>
             <a:prstGeom prst="rect">
@@ -4331,7 +4331,7 @@
           </p:nvSpPr>
           <p:spPr>
             <a:xfrm>
-              <a:off x="3613781" y="4004872"/>
+              <a:off x="3613940" y="4004562"/>
               <a:ext cx="976386" cy="163560"/>
             </a:xfrm>
             <a:prstGeom prst="rect">

--- a/Images/Figures_PPT/SARWithRaptor.pptx
+++ b/Images/Figures_PPT/SARWithRaptor.pptx
@@ -3917,7 +3917,7 @@
           </p:nvSpPr>
           <p:spPr>
             <a:xfrm>
-              <a:off x="4505172" y="2460402"/>
+              <a:off x="4505260" y="2460550"/>
               <a:ext cx="1566579" cy="157737"/>
             </a:xfrm>
             <a:prstGeom prst="rect">
@@ -3963,7 +3963,7 @@
           </p:nvSpPr>
           <p:spPr>
             <a:xfrm>
-              <a:off x="4860558" y="2766786"/>
+              <a:off x="4860646" y="2766934"/>
               <a:ext cx="855806" cy="163560"/>
             </a:xfrm>
             <a:prstGeom prst="rect">
@@ -4009,7 +4009,7 @@
           </p:nvSpPr>
           <p:spPr>
             <a:xfrm>
-              <a:off x="5246351" y="3068113"/>
+              <a:off x="5246351" y="3068114"/>
               <a:ext cx="2036510" cy="157737"/>
             </a:xfrm>
             <a:prstGeom prst="rect">
@@ -4055,7 +4055,7 @@
           </p:nvSpPr>
           <p:spPr>
             <a:xfrm>
-              <a:off x="5836703" y="3374497"/>
+              <a:off x="5836703" y="3374498"/>
               <a:ext cx="855806" cy="163560"/>
             </a:xfrm>
             <a:prstGeom prst="rect">
@@ -4101,7 +4101,7 @@
           </p:nvSpPr>
           <p:spPr>
             <a:xfrm>
-              <a:off x="6333659" y="3602509"/>
+              <a:off x="6333972" y="3602924"/>
               <a:ext cx="1012168" cy="198283"/>
             </a:xfrm>
             <a:prstGeom prst="rect">
@@ -4147,7 +4147,7 @@
           </p:nvSpPr>
           <p:spPr>
             <a:xfrm>
-              <a:off x="6351550" y="3949439"/>
+              <a:off x="6351863" y="3949854"/>
               <a:ext cx="976386" cy="163560"/>
             </a:xfrm>
             <a:prstGeom prst="rect">
@@ -4193,7 +4193,7 @@
           </p:nvSpPr>
           <p:spPr>
             <a:xfrm>
-              <a:off x="5027391" y="5396233"/>
+              <a:off x="5027364" y="5396487"/>
               <a:ext cx="1205158" cy="198283"/>
             </a:xfrm>
             <a:prstGeom prst="rect">
@@ -4239,7 +4239,7 @@
           </p:nvSpPr>
           <p:spPr>
             <a:xfrm>
-              <a:off x="5141777" y="5743163"/>
+              <a:off x="5141751" y="5743417"/>
               <a:ext cx="976386" cy="163560"/>
             </a:xfrm>
             <a:prstGeom prst="rect">
@@ -4285,7 +4285,7 @@
           </p:nvSpPr>
           <p:spPr>
             <a:xfrm>
-              <a:off x="3523638" y="3657632"/>
+              <a:off x="3522416" y="3659003"/>
               <a:ext cx="1156990" cy="198283"/>
             </a:xfrm>
             <a:prstGeom prst="rect">
@@ -4331,7 +4331,7 @@
           </p:nvSpPr>
           <p:spPr>
             <a:xfrm>
-              <a:off x="3613940" y="4004562"/>
+              <a:off x="3612718" y="4005932"/>
               <a:ext cx="976386" cy="163560"/>
             </a:xfrm>
             <a:prstGeom prst="rect">

--- a/Images/Figures_PPT/SARWithRaptor.pptx
+++ b/Images/Figures_PPT/SARWithRaptor.pptx
@@ -3917,7 +3917,7 @@
           </p:nvSpPr>
           <p:spPr>
             <a:xfrm>
-              <a:off x="4505260" y="2460550"/>
+              <a:off x="4505257" y="2460508"/>
               <a:ext cx="1566579" cy="157737"/>
             </a:xfrm>
             <a:prstGeom prst="rect">
@@ -3963,7 +3963,7 @@
           </p:nvSpPr>
           <p:spPr>
             <a:xfrm>
-              <a:off x="4860646" y="2766934"/>
+              <a:off x="4860644" y="2766892"/>
               <a:ext cx="855806" cy="163560"/>
             </a:xfrm>
             <a:prstGeom prst="rect">
@@ -4009,7 +4009,7 @@
           </p:nvSpPr>
           <p:spPr>
             <a:xfrm>
-              <a:off x="5246351" y="3068114"/>
+              <a:off x="5246207" y="3068257"/>
               <a:ext cx="2036510" cy="157737"/>
             </a:xfrm>
             <a:prstGeom prst="rect">
@@ -4055,7 +4055,7 @@
           </p:nvSpPr>
           <p:spPr>
             <a:xfrm>
-              <a:off x="5836703" y="3374498"/>
+              <a:off x="5836559" y="3374641"/>
               <a:ext cx="855806" cy="163560"/>
             </a:xfrm>
             <a:prstGeom prst="rect">
@@ -4101,7 +4101,7 @@
           </p:nvSpPr>
           <p:spPr>
             <a:xfrm>
-              <a:off x="6333972" y="3602924"/>
+              <a:off x="6333677" y="3602844"/>
               <a:ext cx="1012168" cy="198283"/>
             </a:xfrm>
             <a:prstGeom prst="rect">
@@ -4147,7 +4147,7 @@
           </p:nvSpPr>
           <p:spPr>
             <a:xfrm>
-              <a:off x="6351863" y="3949854"/>
+              <a:off x="6351568" y="3949773"/>
               <a:ext cx="976386" cy="163560"/>
             </a:xfrm>
             <a:prstGeom prst="rect">
@@ -4193,7 +4193,7 @@
           </p:nvSpPr>
           <p:spPr>
             <a:xfrm>
-              <a:off x="5027364" y="5396487"/>
+              <a:off x="5026331" y="5397598"/>
               <a:ext cx="1205158" cy="198283"/>
             </a:xfrm>
             <a:prstGeom prst="rect">
@@ -4239,7 +4239,7 @@
           </p:nvSpPr>
           <p:spPr>
             <a:xfrm>
-              <a:off x="5141751" y="5743417"/>
+              <a:off x="5140718" y="5744528"/>
               <a:ext cx="976386" cy="163560"/>
             </a:xfrm>
             <a:prstGeom prst="rect">
@@ -4285,7 +4285,7 @@
           </p:nvSpPr>
           <p:spPr>
             <a:xfrm>
-              <a:off x="3522416" y="3659003"/>
+              <a:off x="3523550" y="3657693"/>
               <a:ext cx="1156990" cy="198283"/>
             </a:xfrm>
             <a:prstGeom prst="rect">
@@ -4331,7 +4331,7 @@
           </p:nvSpPr>
           <p:spPr>
             <a:xfrm>
-              <a:off x="3612718" y="4005932"/>
+              <a:off x="3613853" y="4004623"/>
               <a:ext cx="976386" cy="163560"/>
             </a:xfrm>
             <a:prstGeom prst="rect">

--- a/Images/Figures_PPT/SARWithRaptor.pptx
+++ b/Images/Figures_PPT/SARWithRaptor.pptx
@@ -3917,7 +3917,7 @@
           </p:nvSpPr>
           <p:spPr>
             <a:xfrm>
-              <a:off x="4505257" y="2460508"/>
+              <a:off x="4505183" y="2460418"/>
               <a:ext cx="1566579" cy="157737"/>
             </a:xfrm>
             <a:prstGeom prst="rect">
@@ -3963,7 +3963,7 @@
           </p:nvSpPr>
           <p:spPr>
             <a:xfrm>
-              <a:off x="4860644" y="2766892"/>
+              <a:off x="4860569" y="2766802"/>
               <a:ext cx="855806" cy="163560"/>
             </a:xfrm>
             <a:prstGeom prst="rect">
@@ -4009,7 +4009,7 @@
           </p:nvSpPr>
           <p:spPr>
             <a:xfrm>
-              <a:off x="5246207" y="3068257"/>
+              <a:off x="5246240" y="3068225"/>
               <a:ext cx="2036510" cy="157737"/>
             </a:xfrm>
             <a:prstGeom prst="rect">
@@ -4055,7 +4055,7 @@
           </p:nvSpPr>
           <p:spPr>
             <a:xfrm>
-              <a:off x="5836559" y="3374641"/>
+              <a:off x="5836592" y="3374608"/>
               <a:ext cx="855806" cy="163560"/>
             </a:xfrm>
             <a:prstGeom prst="rect">
@@ -4101,7 +4101,7 @@
           </p:nvSpPr>
           <p:spPr>
             <a:xfrm>
-              <a:off x="6333677" y="3602844"/>
+              <a:off x="6333721" y="3602575"/>
               <a:ext cx="1012168" cy="198283"/>
             </a:xfrm>
             <a:prstGeom prst="rect">
@@ -4147,7 +4147,7 @@
           </p:nvSpPr>
           <p:spPr>
             <a:xfrm>
-              <a:off x="6351568" y="3949773"/>
+              <a:off x="6351612" y="3949505"/>
               <a:ext cx="976386" cy="163560"/>
             </a:xfrm>
             <a:prstGeom prst="rect">
@@ -4193,7 +4193,7 @@
           </p:nvSpPr>
           <p:spPr>
             <a:xfrm>
-              <a:off x="5026331" y="5397598"/>
+              <a:off x="5613741" y="4810124"/>
               <a:ext cx="1205158" cy="198283"/>
             </a:xfrm>
             <a:prstGeom prst="rect">
@@ -4239,7 +4239,7 @@
           </p:nvSpPr>
           <p:spPr>
             <a:xfrm>
-              <a:off x="5140718" y="5744528"/>
+              <a:off x="5728127" y="5157054"/>
               <a:ext cx="976386" cy="163560"/>
             </a:xfrm>
             <a:prstGeom prst="rect">
@@ -4285,7 +4285,7 @@
           </p:nvSpPr>
           <p:spPr>
             <a:xfrm>
-              <a:off x="3523550" y="3657693"/>
+              <a:off x="3523518" y="3657674"/>
               <a:ext cx="1156990" cy="198283"/>
             </a:xfrm>
             <a:prstGeom prst="rect">
@@ -4331,7 +4331,7 @@
           </p:nvSpPr>
           <p:spPr>
             <a:xfrm>
-              <a:off x="3613853" y="4004623"/>
+              <a:off x="3613820" y="4004604"/>
               <a:ext cx="976386" cy="163560"/>
             </a:xfrm>
             <a:prstGeom prst="rect">
